--- a/docs/events/2025 - LOSCA/Slides_LOSCA_2025.pptx
+++ b/docs/events/2025 - LOSCA/Slides_LOSCA_2025.pptx
@@ -202,7 +202,7 @@
           <a:p>
             <a:fld id="{BFD42B61-FF5E-4A9F-AF20-743D865C026B}" type="datetimeFigureOut">
               <a:rPr lang="en-US" smtClean="0"/>
-              <a:t>9/8/2025</a:t>
+              <a:t>10/9/2025</a:t>
             </a:fld>
             <a:endParaRPr lang="en-US"/>
           </a:p>
@@ -360,7 +360,7 @@
           <a:p>
             <a:fld id="{E2E9B460-6B34-4AA6-80AE-1EF77B5B8C0C}" type="slidenum">
               <a:rPr lang="en-US" smtClean="0"/>
-              <a:t>‹N°›</a:t>
+              <a:t>‹#›</a:t>
             </a:fld>
             <a:endParaRPr lang="en-US"/>
           </a:p>
@@ -616,7 +616,7 @@
           <a:p>
             <a:fld id="{7ED6DB7A-2025-4EB3-A858-E9B32E71C799}" type="datetime1">
               <a:rPr lang="fr-FR" smtClean="0"/>
-              <a:t>08/09/2025</a:t>
+              <a:t>09/10/2025</a:t>
             </a:fld>
             <a:endParaRPr lang="fr-FR"/>
           </a:p>
@@ -670,7 +670,7 @@
           <a:p>
             <a:fld id="{2DCD363A-B46D-432E-B45D-2468511ED4C9}" type="slidenum">
               <a:rPr lang="fr-FR" smtClean="0"/>
-              <a:t>‹N°›</a:t>
+              <a:t>‹#›</a:t>
             </a:fld>
             <a:endParaRPr lang="fr-FR"/>
           </a:p>
@@ -814,7 +814,7 @@
           <a:p>
             <a:fld id="{6A0097F7-55A7-43A7-8F27-1961EE31760F}" type="datetime1">
               <a:rPr lang="fr-FR" smtClean="0"/>
-              <a:t>08/09/2025</a:t>
+              <a:t>09/10/2025</a:t>
             </a:fld>
             <a:endParaRPr lang="fr-FR"/>
           </a:p>
@@ -868,7 +868,7 @@
           <a:p>
             <a:fld id="{2DCD363A-B46D-432E-B45D-2468511ED4C9}" type="slidenum">
               <a:rPr lang="fr-FR" smtClean="0"/>
-              <a:t>‹N°›</a:t>
+              <a:t>‹#›</a:t>
             </a:fld>
             <a:endParaRPr lang="fr-FR"/>
           </a:p>
@@ -1022,7 +1022,7 @@
           <a:p>
             <a:fld id="{D1A8AE58-CFB9-4865-AAC5-23B4358E843A}" type="datetime1">
               <a:rPr lang="fr-FR" smtClean="0"/>
-              <a:t>08/09/2025</a:t>
+              <a:t>09/10/2025</a:t>
             </a:fld>
             <a:endParaRPr lang="fr-FR"/>
           </a:p>
@@ -1076,7 +1076,7 @@
           <a:p>
             <a:fld id="{2DCD363A-B46D-432E-B45D-2468511ED4C9}" type="slidenum">
               <a:rPr lang="fr-FR" smtClean="0"/>
-              <a:t>‹N°›</a:t>
+              <a:t>‹#›</a:t>
             </a:fld>
             <a:endParaRPr lang="fr-FR"/>
           </a:p>
@@ -1220,7 +1220,7 @@
           <a:p>
             <a:fld id="{1A006C3D-052B-4451-AF41-1536E2DE33D7}" type="datetime1">
               <a:rPr lang="fr-FR" smtClean="0"/>
-              <a:t>08/09/2025</a:t>
+              <a:t>09/10/2025</a:t>
             </a:fld>
             <a:endParaRPr lang="fr-FR"/>
           </a:p>
@@ -1274,7 +1274,7 @@
           <a:p>
             <a:fld id="{2DCD363A-B46D-432E-B45D-2468511ED4C9}" type="slidenum">
               <a:rPr lang="fr-FR" smtClean="0"/>
-              <a:t>‹N°›</a:t>
+              <a:t>‹#›</a:t>
             </a:fld>
             <a:endParaRPr lang="fr-FR"/>
           </a:p>
@@ -1495,7 +1495,7 @@
           <a:p>
             <a:fld id="{E3D46A79-5A04-4995-B985-0911991A29BC}" type="datetime1">
               <a:rPr lang="fr-FR" smtClean="0"/>
-              <a:t>08/09/2025</a:t>
+              <a:t>09/10/2025</a:t>
             </a:fld>
             <a:endParaRPr lang="fr-FR"/>
           </a:p>
@@ -1549,7 +1549,7 @@
           <a:p>
             <a:fld id="{2DCD363A-B46D-432E-B45D-2468511ED4C9}" type="slidenum">
               <a:rPr lang="fr-FR" smtClean="0"/>
-              <a:t>‹N°›</a:t>
+              <a:t>‹#›</a:t>
             </a:fld>
             <a:endParaRPr lang="fr-FR"/>
           </a:p>
@@ -1760,7 +1760,7 @@
           <a:p>
             <a:fld id="{8B50D0A7-FFAF-4C8C-A8C0-200F8C7FF32D}" type="datetime1">
               <a:rPr lang="fr-FR" smtClean="0"/>
-              <a:t>08/09/2025</a:t>
+              <a:t>09/10/2025</a:t>
             </a:fld>
             <a:endParaRPr lang="fr-FR"/>
           </a:p>
@@ -1814,7 +1814,7 @@
           <a:p>
             <a:fld id="{2DCD363A-B46D-432E-B45D-2468511ED4C9}" type="slidenum">
               <a:rPr lang="fr-FR" smtClean="0"/>
-              <a:t>‹N°›</a:t>
+              <a:t>‹#›</a:t>
             </a:fld>
             <a:endParaRPr lang="fr-FR"/>
           </a:p>
@@ -2172,7 +2172,7 @@
           <a:p>
             <a:fld id="{58FA701B-64D9-46BA-BA6A-A517B363A916}" type="datetime1">
               <a:rPr lang="fr-FR" smtClean="0"/>
-              <a:t>08/09/2025</a:t>
+              <a:t>09/10/2025</a:t>
             </a:fld>
             <a:endParaRPr lang="fr-FR"/>
           </a:p>
@@ -2226,7 +2226,7 @@
           <a:p>
             <a:fld id="{2DCD363A-B46D-432E-B45D-2468511ED4C9}" type="slidenum">
               <a:rPr lang="fr-FR" smtClean="0"/>
-              <a:t>‹N°›</a:t>
+              <a:t>‹#›</a:t>
             </a:fld>
             <a:endParaRPr lang="fr-FR"/>
           </a:p>
@@ -2313,7 +2313,7 @@
           <a:p>
             <a:fld id="{01330183-8B6E-4CE7-88FB-CD42D8F9B798}" type="datetime1">
               <a:rPr lang="fr-FR" smtClean="0"/>
-              <a:t>08/09/2025</a:t>
+              <a:t>09/10/2025</a:t>
             </a:fld>
             <a:endParaRPr lang="fr-FR"/>
           </a:p>
@@ -2367,7 +2367,7 @@
           <a:p>
             <a:fld id="{2DCD363A-B46D-432E-B45D-2468511ED4C9}" type="slidenum">
               <a:rPr lang="fr-FR" smtClean="0"/>
-              <a:t>‹N°›</a:t>
+              <a:t>‹#›</a:t>
             </a:fld>
             <a:endParaRPr lang="fr-FR"/>
           </a:p>
@@ -2426,7 +2426,7 @@
           <a:p>
             <a:fld id="{B5373BA7-F0F0-4963-8462-50E7D924F56F}" type="datetime1">
               <a:rPr lang="fr-FR" smtClean="0"/>
-              <a:t>08/09/2025</a:t>
+              <a:t>09/10/2025</a:t>
             </a:fld>
             <a:endParaRPr lang="fr-FR"/>
           </a:p>
@@ -2480,7 +2480,7 @@
           <a:p>
             <a:fld id="{2DCD363A-B46D-432E-B45D-2468511ED4C9}" type="slidenum">
               <a:rPr lang="fr-FR" smtClean="0"/>
-              <a:t>‹N°›</a:t>
+              <a:t>‹#›</a:t>
             </a:fld>
             <a:endParaRPr lang="fr-FR"/>
           </a:p>
@@ -2737,7 +2737,7 @@
           <a:p>
             <a:fld id="{B200F484-2D0B-438F-BE4C-79C844334FDB}" type="datetime1">
               <a:rPr lang="fr-FR" smtClean="0"/>
-              <a:t>08/09/2025</a:t>
+              <a:t>09/10/2025</a:t>
             </a:fld>
             <a:endParaRPr lang="fr-FR"/>
           </a:p>
@@ -2791,7 +2791,7 @@
           <a:p>
             <a:fld id="{2DCD363A-B46D-432E-B45D-2468511ED4C9}" type="slidenum">
               <a:rPr lang="fr-FR" smtClean="0"/>
-              <a:t>‹N°›</a:t>
+              <a:t>‹#›</a:t>
             </a:fld>
             <a:endParaRPr lang="fr-FR"/>
           </a:p>
@@ -3025,7 +3025,7 @@
           <a:p>
             <a:fld id="{3737F9F6-F581-4E88-B5BF-9E77DEC49E85}" type="datetime1">
               <a:rPr lang="fr-FR" smtClean="0"/>
-              <a:t>08/09/2025</a:t>
+              <a:t>09/10/2025</a:t>
             </a:fld>
             <a:endParaRPr lang="fr-FR"/>
           </a:p>
@@ -3079,7 +3079,7 @@
           <a:p>
             <a:fld id="{2DCD363A-B46D-432E-B45D-2468511ED4C9}" type="slidenum">
               <a:rPr lang="fr-FR" smtClean="0"/>
-              <a:t>‹N°›</a:t>
+              <a:t>‹#›</a:t>
             </a:fld>
             <a:endParaRPr lang="fr-FR"/>
           </a:p>
@@ -3266,7 +3266,7 @@
           <a:p>
             <a:fld id="{E6C53719-26B4-4521-B392-846712D40BB3}" type="datetime1">
               <a:rPr lang="fr-FR" smtClean="0"/>
-              <a:t>08/09/2025</a:t>
+              <a:t>09/10/2025</a:t>
             </a:fld>
             <a:endParaRPr lang="fr-FR"/>
           </a:p>
@@ -3356,7 +3356,7 @@
           <a:p>
             <a:fld id="{2DCD363A-B46D-432E-B45D-2468511ED4C9}" type="slidenum">
               <a:rPr lang="fr-FR" smtClean="0"/>
-              <a:t>‹N°›</a:t>
+              <a:t>‹#›</a:t>
             </a:fld>
             <a:endParaRPr lang="fr-FR"/>
           </a:p>
@@ -7799,17 +7799,7 @@
                               <a:latin typeface="Cambria Math" panose="02040503050406030204" pitchFamily="18" charset="0"/>
                               <a:cs typeface="Cavolini" panose="03000502040302020204" pitchFamily="66" charset="0"/>
                             </a:rPr>
-                            <m:t>−</m:t>
-                          </m:r>
-                          <m:r>
-                            <a:rPr lang="fr-FR" sz="1200" b="0" i="1" smtClean="0">
-                              <a:solidFill>
-                                <a:schemeClr val="tx1"/>
-                              </a:solidFill>
-                              <a:latin typeface="Cambria Math" panose="02040503050406030204" pitchFamily="18" charset="0"/>
-                              <a:cs typeface="Cavolini" panose="03000502040302020204" pitchFamily="66" charset="0"/>
-                            </a:rPr>
-                            <m:t>7</m:t>
+                            <m:t>−7</m:t>
                           </m:r>
                         </m:sup>
                       </m:sSup>
@@ -8312,17 +8302,7 @@
                             <a:latin typeface="Cambria Math" panose="02040503050406030204" pitchFamily="18" charset="0"/>
                             <a:cs typeface="Cavolini" panose="03000502040302020204" pitchFamily="66" charset="0"/>
                           </a:rPr>
-                          <m:t>−</m:t>
-                        </m:r>
-                        <m:r>
-                          <a:rPr lang="fr-FR" b="0" i="1" smtClean="0">
-                            <a:solidFill>
-                              <a:schemeClr val="tx1"/>
-                            </a:solidFill>
-                            <a:latin typeface="Cambria Math" panose="02040503050406030204" pitchFamily="18" charset="0"/>
-                            <a:cs typeface="Cavolini" panose="03000502040302020204" pitchFamily="66" charset="0"/>
-                          </a:rPr>
-                          <m:t>3</m:t>
+                          <m:t>−3</m:t>
                         </m:r>
                       </m:sup>
                     </m:sSup>
@@ -8373,17 +8353,7 @@
                             <a:latin typeface="Cambria Math" panose="02040503050406030204" pitchFamily="18" charset="0"/>
                             <a:cs typeface="Cavolini" panose="03000502040302020204" pitchFamily="66" charset="0"/>
                           </a:rPr>
-                          <m:t>−</m:t>
-                        </m:r>
-                        <m:r>
-                          <a:rPr lang="fr-FR" b="0" i="1" smtClean="0">
-                            <a:solidFill>
-                              <a:schemeClr val="tx1"/>
-                            </a:solidFill>
-                            <a:latin typeface="Cambria Math" panose="02040503050406030204" pitchFamily="18" charset="0"/>
-                            <a:cs typeface="Cavolini" panose="03000502040302020204" pitchFamily="66" charset="0"/>
-                          </a:rPr>
-                          <m:t>4</m:t>
+                          <m:t>−4</m:t>
                         </m:r>
                       </m:sup>
                     </m:sSup>
@@ -8549,17 +8519,7 @@
                             <a:latin typeface="Cambria Math" panose="02040503050406030204" pitchFamily="18" charset="0"/>
                             <a:cs typeface="Cavolini" panose="03000502040302020204" pitchFamily="66" charset="0"/>
                           </a:rPr>
-                          <m:t>−</m:t>
-                        </m:r>
-                        <m:r>
-                          <a:rPr lang="fr-FR" b="0" i="1" smtClean="0">
-                            <a:solidFill>
-                              <a:schemeClr val="tx1"/>
-                            </a:solidFill>
-                            <a:latin typeface="Cambria Math" panose="02040503050406030204" pitchFamily="18" charset="0"/>
-                            <a:cs typeface="Cavolini" panose="03000502040302020204" pitchFamily="66" charset="0"/>
-                          </a:rPr>
-                          <m:t>8</m:t>
+                          <m:t>−8</m:t>
                         </m:r>
                       </m:sup>
                     </m:sSup>
@@ -8610,17 +8570,7 @@
                             <a:latin typeface="Cambria Math" panose="02040503050406030204" pitchFamily="18" charset="0"/>
                             <a:cs typeface="Cavolini" panose="03000502040302020204" pitchFamily="66" charset="0"/>
                           </a:rPr>
-                          <m:t>−</m:t>
-                        </m:r>
-                        <m:r>
-                          <a:rPr lang="fr-FR" b="0" i="1" smtClean="0">
-                            <a:solidFill>
-                              <a:schemeClr val="tx1"/>
-                            </a:solidFill>
-                            <a:latin typeface="Cambria Math" panose="02040503050406030204" pitchFamily="18" charset="0"/>
-                            <a:cs typeface="Cavolini" panose="03000502040302020204" pitchFamily="66" charset="0"/>
-                          </a:rPr>
-                          <m:t>9</m:t>
+                          <m:t>−9</m:t>
                         </m:r>
                       </m:sup>
                     </m:sSup>
